--- a/WindowsAzureAdvancedScenarios/WindowsAzureAdvancedScenarios.pptx
+++ b/WindowsAzureAdvancedScenarios/WindowsAzureAdvancedScenarios.pptx
@@ -6,10 +6,10 @@
     <p:sldMasterId id="2147483718" r:id="rId2"/>
   </p:sldMasterIdLst>
   <p:notesMasterIdLst>
-    <p:notesMasterId r:id="rId31"/>
+    <p:notesMasterId r:id="rId30"/>
   </p:notesMasterIdLst>
   <p:handoutMasterIdLst>
-    <p:handoutMasterId r:id="rId32"/>
+    <p:handoutMasterId r:id="rId31"/>
   </p:handoutMasterIdLst>
   <p:sldIdLst>
     <p:sldId id="349" r:id="rId3"/>
@@ -38,33 +38,33 @@
     <p:sldId id="372" r:id="rId26"/>
     <p:sldId id="373" r:id="rId27"/>
     <p:sldId id="374" r:id="rId28"/>
-    <p:sldId id="375" r:id="rId29"/>
-    <p:sldId id="376" r:id="rId30"/>
+    <p:sldId id="376" r:id="rId29"/>
   </p:sldIdLst>
   <p:sldSz cx="12188825" cy="6858000"/>
   <p:notesSz cx="6858000" cy="9144000"/>
   <p:embeddedFontLst>
     <p:embeddedFont>
-      <p:font typeface="Segoe UI Light" pitchFamily="34" charset="0"/>
-      <p:regular r:id="rId33"/>
+      <p:font typeface="Wingdings 2" pitchFamily="18" charset="2"/>
+      <p:regular r:id="rId32"/>
     </p:embeddedFont>
     <p:embeddedFont>
       <p:font typeface="Segoe UI" pitchFamily="34" charset="0"/>
-      <p:regular r:id="rId34"/>
-      <p:bold r:id="rId35"/>
-      <p:italic r:id="rId36"/>
-      <p:boldItalic r:id="rId37"/>
+      <p:regular r:id="rId33"/>
+      <p:bold r:id="rId34"/>
+      <p:italic r:id="rId35"/>
+      <p:boldItalic r:id="rId36"/>
     </p:embeddedFont>
     <p:embeddedFont>
       <p:font typeface="Consolas" pitchFamily="49" charset="0"/>
-      <p:regular r:id="rId38"/>
-      <p:bold r:id="rId39"/>
-      <p:italic r:id="rId40"/>
-      <p:boldItalic r:id="rId41"/>
+      <p:regular r:id="rId37"/>
+      <p:bold r:id="rId38"/>
+      <p:italic r:id="rId39"/>
+      <p:boldItalic r:id="rId40"/>
     </p:embeddedFont>
     <p:embeddedFont>
-      <p:font typeface="Wingdings 2" pitchFamily="18" charset="2"/>
-      <p:regular r:id="rId42"/>
+      <p:font typeface="Segoe UI Light" pitchFamily="34" charset="0"/>
+      <p:regular r:id="rId41"/>
+      <p:italic r:id="rId42"/>
     </p:embeddedFont>
   </p:embeddedFontLst>
   <p:custDataLst>
@@ -256,7 +256,7 @@
                 <a:latin typeface="Segoe UI" pitchFamily="34" charset="0"/>
               </a:rPr>
               <a:pPr/>
-              <a:t>12/10/2011</a:t>
+              <a:t>6/16/2012</a:t>
             </a:fld>
             <a:endParaRPr lang="en-US" dirty="0">
               <a:latin typeface="Segoe UI" pitchFamily="34" charset="0"/>
@@ -469,7 +469,7 @@
             <a:fld id="{7C3FBCD4-166E-446F-AF18-7D4A0CF9AEF6}" type="datetimeFigureOut">
               <a:rPr lang="en-US" smtClean="0"/>
               <a:pPr/>
-              <a:t>12/10/2011</a:t>
+              <a:t>6/16/2012</a:t>
             </a:fld>
             <a:endParaRPr lang="en-US" dirty="0"/>
           </a:p>
@@ -816,6 +816,2301 @@
     </a:lvl9pPr>
   </p:notesStyle>
 </p:notesMaster>
+</file>
+
+<file path=ppt/notesSlides/notesSlide1.xml><?xml version="1.0" encoding="utf-8"?>
+<p:notes xmlns:a="http://schemas.openxmlformats.org/drawingml/2006/main" xmlns:r="http://schemas.openxmlformats.org/officeDocument/2006/relationships" xmlns:p="http://schemas.openxmlformats.org/presentationml/2006/main">
+  <p:cSld>
+    <p:spTree>
+      <p:nvGrpSpPr>
+        <p:cNvPr id="1" name=""/>
+        <p:cNvGrpSpPr/>
+        <p:nvPr/>
+      </p:nvGrpSpPr>
+      <p:grpSpPr>
+        <a:xfrm>
+          <a:off x="0" y="0"/>
+          <a:ext cx="0" cy="0"/>
+          <a:chOff x="0" y="0"/>
+          <a:chExt cx="0" cy="0"/>
+        </a:xfrm>
+      </p:grpSpPr>
+      <p:sp>
+        <p:nvSpPr>
+          <p:cNvPr id="2" name="Slide Image Placeholder 1"/>
+          <p:cNvSpPr>
+            <a:spLocks noGrp="1" noRot="1" noChangeAspect="1"/>
+          </p:cNvSpPr>
+          <p:nvPr>
+            <p:ph type="sldImg"/>
+          </p:nvPr>
+        </p:nvSpPr>
+        <p:spPr/>
+      </p:sp>
+      <p:sp>
+        <p:nvSpPr>
+          <p:cNvPr id="3" name="Notes Placeholder 2"/>
+          <p:cNvSpPr>
+            <a:spLocks noGrp="1"/>
+          </p:cNvSpPr>
+          <p:nvPr>
+            <p:ph type="body" idx="1"/>
+          </p:nvPr>
+        </p:nvSpPr>
+        <p:spPr/>
+        <p:txBody>
+          <a:bodyPr/>
+          <a:lstStyle/>
+          <a:p>
+            <a:endParaRPr lang="en-US"/>
+          </a:p>
+        </p:txBody>
+      </p:sp>
+      <p:sp>
+        <p:nvSpPr>
+          <p:cNvPr id="4" name="Slide Number Placeholder 3"/>
+          <p:cNvSpPr>
+            <a:spLocks noGrp="1"/>
+          </p:cNvSpPr>
+          <p:nvPr>
+            <p:ph type="sldNum" sz="quarter" idx="10"/>
+          </p:nvPr>
+        </p:nvSpPr>
+        <p:spPr/>
+        <p:txBody>
+          <a:bodyPr/>
+          <a:lstStyle/>
+          <a:p>
+            <a:fld id="{8B263312-38AA-4E1E-B2B5-0F8F122B24FE}" type="slidenum">
+              <a:rPr lang="en-US" smtClean="0"/>
+              <a:pPr/>
+              <a:t>1</a:t>
+            </a:fld>
+            <a:endParaRPr lang="en-US" dirty="0"/>
+          </a:p>
+        </p:txBody>
+      </p:sp>
+    </p:spTree>
+    <p:extLst>
+      <p:ext uri="{BB962C8B-B14F-4D97-AF65-F5344CB8AC3E}">
+        <p14:creationId xmlns:p14="http://schemas.microsoft.com/office/powerpoint/2010/main" val="3927765196"/>
+      </p:ext>
+    </p:extLst>
+  </p:cSld>
+  <p:clrMapOvr>
+    <a:masterClrMapping/>
+  </p:clrMapOvr>
+</p:notes>
+</file>
+
+<file path=ppt/notesSlides/notesSlide10.xml><?xml version="1.0" encoding="utf-8"?>
+<p:notes xmlns:a="http://schemas.openxmlformats.org/drawingml/2006/main" xmlns:r="http://schemas.openxmlformats.org/officeDocument/2006/relationships" xmlns:p="http://schemas.openxmlformats.org/presentationml/2006/main">
+  <p:cSld>
+    <p:spTree>
+      <p:nvGrpSpPr>
+        <p:cNvPr id="1" name=""/>
+        <p:cNvGrpSpPr/>
+        <p:nvPr/>
+      </p:nvGrpSpPr>
+      <p:grpSpPr>
+        <a:xfrm>
+          <a:off x="0" y="0"/>
+          <a:ext cx="0" cy="0"/>
+          <a:chOff x="0" y="0"/>
+          <a:chExt cx="0" cy="0"/>
+        </a:xfrm>
+      </p:grpSpPr>
+      <p:sp>
+        <p:nvSpPr>
+          <p:cNvPr id="2" name="Slide Image Placeholder 1"/>
+          <p:cNvSpPr>
+            <a:spLocks noGrp="1" noRot="1" noChangeAspect="1"/>
+          </p:cNvSpPr>
+          <p:nvPr>
+            <p:ph type="sldImg"/>
+          </p:nvPr>
+        </p:nvSpPr>
+        <p:spPr/>
+      </p:sp>
+      <p:sp>
+        <p:nvSpPr>
+          <p:cNvPr id="3" name="Notes Placeholder 2"/>
+          <p:cNvSpPr>
+            <a:spLocks noGrp="1"/>
+          </p:cNvSpPr>
+          <p:nvPr>
+            <p:ph type="body" idx="1"/>
+          </p:nvPr>
+        </p:nvSpPr>
+        <p:spPr/>
+        <p:txBody>
+          <a:bodyPr/>
+          <a:lstStyle/>
+          <a:p>
+            <a:endParaRPr lang="en-US"/>
+          </a:p>
+        </p:txBody>
+      </p:sp>
+      <p:sp>
+        <p:nvSpPr>
+          <p:cNvPr id="4" name="Slide Number Placeholder 3"/>
+          <p:cNvSpPr>
+            <a:spLocks noGrp="1"/>
+          </p:cNvSpPr>
+          <p:nvPr>
+            <p:ph type="sldNum" sz="quarter" idx="10"/>
+          </p:nvPr>
+        </p:nvSpPr>
+        <p:spPr/>
+        <p:txBody>
+          <a:bodyPr/>
+          <a:lstStyle/>
+          <a:p>
+            <a:fld id="{8B263312-38AA-4E1E-B2B5-0F8F122B24FE}" type="slidenum">
+              <a:rPr lang="en-US" smtClean="0"/>
+              <a:pPr/>
+              <a:t>10</a:t>
+            </a:fld>
+            <a:endParaRPr lang="en-US" dirty="0"/>
+          </a:p>
+        </p:txBody>
+      </p:sp>
+    </p:spTree>
+    <p:extLst>
+      <p:ext uri="{BB962C8B-B14F-4D97-AF65-F5344CB8AC3E}">
+        <p14:creationId xmlns:p14="http://schemas.microsoft.com/office/powerpoint/2010/main" val="3186654848"/>
+      </p:ext>
+    </p:extLst>
+  </p:cSld>
+  <p:clrMapOvr>
+    <a:masterClrMapping/>
+  </p:clrMapOvr>
+</p:notes>
+</file>
+
+<file path=ppt/notesSlides/notesSlide11.xml><?xml version="1.0" encoding="utf-8"?>
+<p:notes xmlns:a="http://schemas.openxmlformats.org/drawingml/2006/main" xmlns:r="http://schemas.openxmlformats.org/officeDocument/2006/relationships" xmlns:p="http://schemas.openxmlformats.org/presentationml/2006/main">
+  <p:cSld>
+    <p:spTree>
+      <p:nvGrpSpPr>
+        <p:cNvPr id="1" name=""/>
+        <p:cNvGrpSpPr/>
+        <p:nvPr/>
+      </p:nvGrpSpPr>
+      <p:grpSpPr>
+        <a:xfrm>
+          <a:off x="0" y="0"/>
+          <a:ext cx="0" cy="0"/>
+          <a:chOff x="0" y="0"/>
+          <a:chExt cx="0" cy="0"/>
+        </a:xfrm>
+      </p:grpSpPr>
+      <p:sp>
+        <p:nvSpPr>
+          <p:cNvPr id="2" name="Slide Image Placeholder 1"/>
+          <p:cNvSpPr>
+            <a:spLocks noGrp="1" noRot="1" noChangeAspect="1"/>
+          </p:cNvSpPr>
+          <p:nvPr>
+            <p:ph type="sldImg"/>
+          </p:nvPr>
+        </p:nvSpPr>
+        <p:spPr/>
+      </p:sp>
+      <p:sp>
+        <p:nvSpPr>
+          <p:cNvPr id="3" name="Notes Placeholder 2"/>
+          <p:cNvSpPr>
+            <a:spLocks noGrp="1"/>
+          </p:cNvSpPr>
+          <p:nvPr>
+            <p:ph type="body" idx="1"/>
+          </p:nvPr>
+        </p:nvSpPr>
+        <p:spPr/>
+        <p:txBody>
+          <a:bodyPr/>
+          <a:lstStyle/>
+          <a:p>
+            <a:endParaRPr lang="en-US"/>
+          </a:p>
+        </p:txBody>
+      </p:sp>
+      <p:sp>
+        <p:nvSpPr>
+          <p:cNvPr id="4" name="Slide Number Placeholder 3"/>
+          <p:cNvSpPr>
+            <a:spLocks noGrp="1"/>
+          </p:cNvSpPr>
+          <p:nvPr>
+            <p:ph type="sldNum" sz="quarter" idx="10"/>
+          </p:nvPr>
+        </p:nvSpPr>
+        <p:spPr/>
+        <p:txBody>
+          <a:bodyPr/>
+          <a:lstStyle/>
+          <a:p>
+            <a:fld id="{8B263312-38AA-4E1E-B2B5-0F8F122B24FE}" type="slidenum">
+              <a:rPr lang="en-US" smtClean="0"/>
+              <a:pPr/>
+              <a:t>11</a:t>
+            </a:fld>
+            <a:endParaRPr lang="en-US" dirty="0"/>
+          </a:p>
+        </p:txBody>
+      </p:sp>
+    </p:spTree>
+    <p:extLst>
+      <p:ext uri="{BB962C8B-B14F-4D97-AF65-F5344CB8AC3E}">
+        <p14:creationId xmlns:p14="http://schemas.microsoft.com/office/powerpoint/2010/main" val="446963921"/>
+      </p:ext>
+    </p:extLst>
+  </p:cSld>
+  <p:clrMapOvr>
+    <a:masterClrMapping/>
+  </p:clrMapOvr>
+</p:notes>
+</file>
+
+<file path=ppt/notesSlides/notesSlide12.xml><?xml version="1.0" encoding="utf-8"?>
+<p:notes xmlns:a="http://schemas.openxmlformats.org/drawingml/2006/main" xmlns:r="http://schemas.openxmlformats.org/officeDocument/2006/relationships" xmlns:p="http://schemas.openxmlformats.org/presentationml/2006/main">
+  <p:cSld>
+    <p:spTree>
+      <p:nvGrpSpPr>
+        <p:cNvPr id="1" name=""/>
+        <p:cNvGrpSpPr/>
+        <p:nvPr/>
+      </p:nvGrpSpPr>
+      <p:grpSpPr>
+        <a:xfrm>
+          <a:off x="0" y="0"/>
+          <a:ext cx="0" cy="0"/>
+          <a:chOff x="0" y="0"/>
+          <a:chExt cx="0" cy="0"/>
+        </a:xfrm>
+      </p:grpSpPr>
+      <p:sp>
+        <p:nvSpPr>
+          <p:cNvPr id="2" name="Slide Image Placeholder 1"/>
+          <p:cNvSpPr>
+            <a:spLocks noGrp="1" noRot="1" noChangeAspect="1"/>
+          </p:cNvSpPr>
+          <p:nvPr>
+            <p:ph type="sldImg"/>
+          </p:nvPr>
+        </p:nvSpPr>
+        <p:spPr/>
+      </p:sp>
+      <p:sp>
+        <p:nvSpPr>
+          <p:cNvPr id="3" name="Notes Placeholder 2"/>
+          <p:cNvSpPr>
+            <a:spLocks noGrp="1"/>
+          </p:cNvSpPr>
+          <p:nvPr>
+            <p:ph type="body" idx="1"/>
+          </p:nvPr>
+        </p:nvSpPr>
+        <p:spPr/>
+        <p:txBody>
+          <a:bodyPr/>
+          <a:lstStyle/>
+          <a:p>
+            <a:endParaRPr lang="en-US"/>
+          </a:p>
+        </p:txBody>
+      </p:sp>
+      <p:sp>
+        <p:nvSpPr>
+          <p:cNvPr id="4" name="Slide Number Placeholder 3"/>
+          <p:cNvSpPr>
+            <a:spLocks noGrp="1"/>
+          </p:cNvSpPr>
+          <p:nvPr>
+            <p:ph type="sldNum" sz="quarter" idx="10"/>
+          </p:nvPr>
+        </p:nvSpPr>
+        <p:spPr/>
+        <p:txBody>
+          <a:bodyPr/>
+          <a:lstStyle/>
+          <a:p>
+            <a:fld id="{8B263312-38AA-4E1E-B2B5-0F8F122B24FE}" type="slidenum">
+              <a:rPr lang="en-US" smtClean="0"/>
+              <a:pPr/>
+              <a:t>12</a:t>
+            </a:fld>
+            <a:endParaRPr lang="en-US" dirty="0"/>
+          </a:p>
+        </p:txBody>
+      </p:sp>
+    </p:spTree>
+    <p:extLst>
+      <p:ext uri="{BB962C8B-B14F-4D97-AF65-F5344CB8AC3E}">
+        <p14:creationId xmlns:p14="http://schemas.microsoft.com/office/powerpoint/2010/main" val="1810204130"/>
+      </p:ext>
+    </p:extLst>
+  </p:cSld>
+  <p:clrMapOvr>
+    <a:masterClrMapping/>
+  </p:clrMapOvr>
+</p:notes>
+</file>
+
+<file path=ppt/notesSlides/notesSlide13.xml><?xml version="1.0" encoding="utf-8"?>
+<p:notes xmlns:a="http://schemas.openxmlformats.org/drawingml/2006/main" xmlns:r="http://schemas.openxmlformats.org/officeDocument/2006/relationships" xmlns:p="http://schemas.openxmlformats.org/presentationml/2006/main">
+  <p:cSld>
+    <p:spTree>
+      <p:nvGrpSpPr>
+        <p:cNvPr id="1" name=""/>
+        <p:cNvGrpSpPr/>
+        <p:nvPr/>
+      </p:nvGrpSpPr>
+      <p:grpSpPr>
+        <a:xfrm>
+          <a:off x="0" y="0"/>
+          <a:ext cx="0" cy="0"/>
+          <a:chOff x="0" y="0"/>
+          <a:chExt cx="0" cy="0"/>
+        </a:xfrm>
+      </p:grpSpPr>
+      <p:sp>
+        <p:nvSpPr>
+          <p:cNvPr id="2" name="Slide Image Placeholder 1"/>
+          <p:cNvSpPr>
+            <a:spLocks noGrp="1" noRot="1" noChangeAspect="1"/>
+          </p:cNvSpPr>
+          <p:nvPr>
+            <p:ph type="sldImg"/>
+          </p:nvPr>
+        </p:nvSpPr>
+        <p:spPr/>
+      </p:sp>
+      <p:sp>
+        <p:nvSpPr>
+          <p:cNvPr id="3" name="Notes Placeholder 2"/>
+          <p:cNvSpPr>
+            <a:spLocks noGrp="1"/>
+          </p:cNvSpPr>
+          <p:nvPr>
+            <p:ph type="body" idx="1"/>
+          </p:nvPr>
+        </p:nvSpPr>
+        <p:spPr/>
+        <p:txBody>
+          <a:bodyPr/>
+          <a:lstStyle/>
+          <a:p>
+            <a:endParaRPr lang="en-US"/>
+          </a:p>
+        </p:txBody>
+      </p:sp>
+      <p:sp>
+        <p:nvSpPr>
+          <p:cNvPr id="4" name="Slide Number Placeholder 3"/>
+          <p:cNvSpPr>
+            <a:spLocks noGrp="1"/>
+          </p:cNvSpPr>
+          <p:nvPr>
+            <p:ph type="sldNum" sz="quarter" idx="10"/>
+          </p:nvPr>
+        </p:nvSpPr>
+        <p:spPr/>
+        <p:txBody>
+          <a:bodyPr/>
+          <a:lstStyle/>
+          <a:p>
+            <a:fld id="{8B263312-38AA-4E1E-B2B5-0F8F122B24FE}" type="slidenum">
+              <a:rPr lang="en-US" smtClean="0"/>
+              <a:pPr/>
+              <a:t>13</a:t>
+            </a:fld>
+            <a:endParaRPr lang="en-US" dirty="0"/>
+          </a:p>
+        </p:txBody>
+      </p:sp>
+    </p:spTree>
+    <p:extLst>
+      <p:ext uri="{BB962C8B-B14F-4D97-AF65-F5344CB8AC3E}">
+        <p14:creationId xmlns:p14="http://schemas.microsoft.com/office/powerpoint/2010/main" val="957377831"/>
+      </p:ext>
+    </p:extLst>
+  </p:cSld>
+  <p:clrMapOvr>
+    <a:masterClrMapping/>
+  </p:clrMapOvr>
+</p:notes>
+</file>
+
+<file path=ppt/notesSlides/notesSlide14.xml><?xml version="1.0" encoding="utf-8"?>
+<p:notes xmlns:a="http://schemas.openxmlformats.org/drawingml/2006/main" xmlns:r="http://schemas.openxmlformats.org/officeDocument/2006/relationships" xmlns:p="http://schemas.openxmlformats.org/presentationml/2006/main">
+  <p:cSld>
+    <p:spTree>
+      <p:nvGrpSpPr>
+        <p:cNvPr id="1" name=""/>
+        <p:cNvGrpSpPr/>
+        <p:nvPr/>
+      </p:nvGrpSpPr>
+      <p:grpSpPr>
+        <a:xfrm>
+          <a:off x="0" y="0"/>
+          <a:ext cx="0" cy="0"/>
+          <a:chOff x="0" y="0"/>
+          <a:chExt cx="0" cy="0"/>
+        </a:xfrm>
+      </p:grpSpPr>
+      <p:sp>
+        <p:nvSpPr>
+          <p:cNvPr id="2" name="Slide Image Placeholder 1"/>
+          <p:cNvSpPr>
+            <a:spLocks noGrp="1" noRot="1" noChangeAspect="1"/>
+          </p:cNvSpPr>
+          <p:nvPr>
+            <p:ph type="sldImg"/>
+          </p:nvPr>
+        </p:nvSpPr>
+        <p:spPr/>
+      </p:sp>
+      <p:sp>
+        <p:nvSpPr>
+          <p:cNvPr id="3" name="Notes Placeholder 2"/>
+          <p:cNvSpPr>
+            <a:spLocks noGrp="1"/>
+          </p:cNvSpPr>
+          <p:nvPr>
+            <p:ph type="body" idx="1"/>
+          </p:nvPr>
+        </p:nvSpPr>
+        <p:spPr/>
+        <p:txBody>
+          <a:bodyPr/>
+          <a:lstStyle/>
+          <a:p>
+            <a:endParaRPr lang="en-US"/>
+          </a:p>
+        </p:txBody>
+      </p:sp>
+      <p:sp>
+        <p:nvSpPr>
+          <p:cNvPr id="4" name="Slide Number Placeholder 3"/>
+          <p:cNvSpPr>
+            <a:spLocks noGrp="1"/>
+          </p:cNvSpPr>
+          <p:nvPr>
+            <p:ph type="sldNum" sz="quarter" idx="10"/>
+          </p:nvPr>
+        </p:nvSpPr>
+        <p:spPr/>
+        <p:txBody>
+          <a:bodyPr/>
+          <a:lstStyle/>
+          <a:p>
+            <a:fld id="{8B263312-38AA-4E1E-B2B5-0F8F122B24FE}" type="slidenum">
+              <a:rPr lang="en-US" smtClean="0"/>
+              <a:pPr/>
+              <a:t>14</a:t>
+            </a:fld>
+            <a:endParaRPr lang="en-US" dirty="0"/>
+          </a:p>
+        </p:txBody>
+      </p:sp>
+    </p:spTree>
+    <p:extLst>
+      <p:ext uri="{BB962C8B-B14F-4D97-AF65-F5344CB8AC3E}">
+        <p14:creationId xmlns:p14="http://schemas.microsoft.com/office/powerpoint/2010/main" val="4001207037"/>
+      </p:ext>
+    </p:extLst>
+  </p:cSld>
+  <p:clrMapOvr>
+    <a:masterClrMapping/>
+  </p:clrMapOvr>
+</p:notes>
+</file>
+
+<file path=ppt/notesSlides/notesSlide15.xml><?xml version="1.0" encoding="utf-8"?>
+<p:notes xmlns:a="http://schemas.openxmlformats.org/drawingml/2006/main" xmlns:r="http://schemas.openxmlformats.org/officeDocument/2006/relationships" xmlns:p="http://schemas.openxmlformats.org/presentationml/2006/main">
+  <p:cSld>
+    <p:spTree>
+      <p:nvGrpSpPr>
+        <p:cNvPr id="1" name=""/>
+        <p:cNvGrpSpPr/>
+        <p:nvPr/>
+      </p:nvGrpSpPr>
+      <p:grpSpPr>
+        <a:xfrm>
+          <a:off x="0" y="0"/>
+          <a:ext cx="0" cy="0"/>
+          <a:chOff x="0" y="0"/>
+          <a:chExt cx="0" cy="0"/>
+        </a:xfrm>
+      </p:grpSpPr>
+      <p:sp>
+        <p:nvSpPr>
+          <p:cNvPr id="2" name="Slide Image Placeholder 1"/>
+          <p:cNvSpPr>
+            <a:spLocks noGrp="1" noRot="1" noChangeAspect="1"/>
+          </p:cNvSpPr>
+          <p:nvPr>
+            <p:ph type="sldImg"/>
+          </p:nvPr>
+        </p:nvSpPr>
+        <p:spPr/>
+      </p:sp>
+      <p:sp>
+        <p:nvSpPr>
+          <p:cNvPr id="3" name="Notes Placeholder 2"/>
+          <p:cNvSpPr>
+            <a:spLocks noGrp="1"/>
+          </p:cNvSpPr>
+          <p:nvPr>
+            <p:ph type="body" idx="1"/>
+          </p:nvPr>
+        </p:nvSpPr>
+        <p:spPr/>
+        <p:txBody>
+          <a:bodyPr/>
+          <a:lstStyle/>
+          <a:p>
+            <a:endParaRPr lang="en-US"/>
+          </a:p>
+        </p:txBody>
+      </p:sp>
+      <p:sp>
+        <p:nvSpPr>
+          <p:cNvPr id="4" name="Slide Number Placeholder 3"/>
+          <p:cNvSpPr>
+            <a:spLocks noGrp="1"/>
+          </p:cNvSpPr>
+          <p:nvPr>
+            <p:ph type="sldNum" sz="quarter" idx="10"/>
+          </p:nvPr>
+        </p:nvSpPr>
+        <p:spPr/>
+        <p:txBody>
+          <a:bodyPr/>
+          <a:lstStyle/>
+          <a:p>
+            <a:fld id="{8B263312-38AA-4E1E-B2B5-0F8F122B24FE}" type="slidenum">
+              <a:rPr lang="en-US" smtClean="0"/>
+              <a:pPr/>
+              <a:t>15</a:t>
+            </a:fld>
+            <a:endParaRPr lang="en-US" dirty="0"/>
+          </a:p>
+        </p:txBody>
+      </p:sp>
+    </p:spTree>
+    <p:extLst>
+      <p:ext uri="{BB962C8B-B14F-4D97-AF65-F5344CB8AC3E}">
+        <p14:creationId xmlns:p14="http://schemas.microsoft.com/office/powerpoint/2010/main" val="3919693776"/>
+      </p:ext>
+    </p:extLst>
+  </p:cSld>
+  <p:clrMapOvr>
+    <a:masterClrMapping/>
+  </p:clrMapOvr>
+</p:notes>
+</file>
+
+<file path=ppt/notesSlides/notesSlide16.xml><?xml version="1.0" encoding="utf-8"?>
+<p:notes xmlns:a="http://schemas.openxmlformats.org/drawingml/2006/main" xmlns:r="http://schemas.openxmlformats.org/officeDocument/2006/relationships" xmlns:p="http://schemas.openxmlformats.org/presentationml/2006/main">
+  <p:cSld>
+    <p:spTree>
+      <p:nvGrpSpPr>
+        <p:cNvPr id="1" name=""/>
+        <p:cNvGrpSpPr/>
+        <p:nvPr/>
+      </p:nvGrpSpPr>
+      <p:grpSpPr>
+        <a:xfrm>
+          <a:off x="0" y="0"/>
+          <a:ext cx="0" cy="0"/>
+          <a:chOff x="0" y="0"/>
+          <a:chExt cx="0" cy="0"/>
+        </a:xfrm>
+      </p:grpSpPr>
+      <p:sp>
+        <p:nvSpPr>
+          <p:cNvPr id="2" name="Slide Image Placeholder 1"/>
+          <p:cNvSpPr>
+            <a:spLocks noGrp="1" noRot="1" noChangeAspect="1"/>
+          </p:cNvSpPr>
+          <p:nvPr>
+            <p:ph type="sldImg"/>
+          </p:nvPr>
+        </p:nvSpPr>
+        <p:spPr/>
+      </p:sp>
+      <p:sp>
+        <p:nvSpPr>
+          <p:cNvPr id="3" name="Notes Placeholder 2"/>
+          <p:cNvSpPr>
+            <a:spLocks noGrp="1"/>
+          </p:cNvSpPr>
+          <p:nvPr>
+            <p:ph type="body" idx="1"/>
+          </p:nvPr>
+        </p:nvSpPr>
+        <p:spPr/>
+        <p:txBody>
+          <a:bodyPr/>
+          <a:lstStyle/>
+          <a:p>
+            <a:endParaRPr lang="en-US"/>
+          </a:p>
+        </p:txBody>
+      </p:sp>
+      <p:sp>
+        <p:nvSpPr>
+          <p:cNvPr id="4" name="Slide Number Placeholder 3"/>
+          <p:cNvSpPr>
+            <a:spLocks noGrp="1"/>
+          </p:cNvSpPr>
+          <p:nvPr>
+            <p:ph type="sldNum" sz="quarter" idx="10"/>
+          </p:nvPr>
+        </p:nvSpPr>
+        <p:spPr/>
+        <p:txBody>
+          <a:bodyPr/>
+          <a:lstStyle/>
+          <a:p>
+            <a:fld id="{8B263312-38AA-4E1E-B2B5-0F8F122B24FE}" type="slidenum">
+              <a:rPr lang="en-US" smtClean="0"/>
+              <a:pPr/>
+              <a:t>16</a:t>
+            </a:fld>
+            <a:endParaRPr lang="en-US" dirty="0"/>
+          </a:p>
+        </p:txBody>
+      </p:sp>
+    </p:spTree>
+    <p:extLst>
+      <p:ext uri="{BB962C8B-B14F-4D97-AF65-F5344CB8AC3E}">
+        <p14:creationId xmlns:p14="http://schemas.microsoft.com/office/powerpoint/2010/main" val="1536935710"/>
+      </p:ext>
+    </p:extLst>
+  </p:cSld>
+  <p:clrMapOvr>
+    <a:masterClrMapping/>
+  </p:clrMapOvr>
+</p:notes>
+</file>
+
+<file path=ppt/notesSlides/notesSlide17.xml><?xml version="1.0" encoding="utf-8"?>
+<p:notes xmlns:a="http://schemas.openxmlformats.org/drawingml/2006/main" xmlns:r="http://schemas.openxmlformats.org/officeDocument/2006/relationships" xmlns:p="http://schemas.openxmlformats.org/presentationml/2006/main">
+  <p:cSld>
+    <p:spTree>
+      <p:nvGrpSpPr>
+        <p:cNvPr id="1" name=""/>
+        <p:cNvGrpSpPr/>
+        <p:nvPr/>
+      </p:nvGrpSpPr>
+      <p:grpSpPr>
+        <a:xfrm>
+          <a:off x="0" y="0"/>
+          <a:ext cx="0" cy="0"/>
+          <a:chOff x="0" y="0"/>
+          <a:chExt cx="0" cy="0"/>
+        </a:xfrm>
+      </p:grpSpPr>
+      <p:sp>
+        <p:nvSpPr>
+          <p:cNvPr id="2" name="Slide Image Placeholder 1"/>
+          <p:cNvSpPr>
+            <a:spLocks noGrp="1" noRot="1" noChangeAspect="1"/>
+          </p:cNvSpPr>
+          <p:nvPr>
+            <p:ph type="sldImg"/>
+          </p:nvPr>
+        </p:nvSpPr>
+        <p:spPr/>
+      </p:sp>
+      <p:sp>
+        <p:nvSpPr>
+          <p:cNvPr id="3" name="Notes Placeholder 2"/>
+          <p:cNvSpPr>
+            <a:spLocks noGrp="1"/>
+          </p:cNvSpPr>
+          <p:nvPr>
+            <p:ph type="body" idx="1"/>
+          </p:nvPr>
+        </p:nvSpPr>
+        <p:spPr/>
+        <p:txBody>
+          <a:bodyPr/>
+          <a:lstStyle/>
+          <a:p>
+            <a:endParaRPr lang="en-US"/>
+          </a:p>
+        </p:txBody>
+      </p:sp>
+      <p:sp>
+        <p:nvSpPr>
+          <p:cNvPr id="4" name="Slide Number Placeholder 3"/>
+          <p:cNvSpPr>
+            <a:spLocks noGrp="1"/>
+          </p:cNvSpPr>
+          <p:nvPr>
+            <p:ph type="sldNum" sz="quarter" idx="10"/>
+          </p:nvPr>
+        </p:nvSpPr>
+        <p:spPr/>
+        <p:txBody>
+          <a:bodyPr/>
+          <a:lstStyle/>
+          <a:p>
+            <a:fld id="{8B263312-38AA-4E1E-B2B5-0F8F122B24FE}" type="slidenum">
+              <a:rPr lang="en-US" smtClean="0"/>
+              <a:pPr/>
+              <a:t>17</a:t>
+            </a:fld>
+            <a:endParaRPr lang="en-US" dirty="0"/>
+          </a:p>
+        </p:txBody>
+      </p:sp>
+    </p:spTree>
+    <p:extLst>
+      <p:ext uri="{BB962C8B-B14F-4D97-AF65-F5344CB8AC3E}">
+        <p14:creationId xmlns:p14="http://schemas.microsoft.com/office/powerpoint/2010/main" val="1648982894"/>
+      </p:ext>
+    </p:extLst>
+  </p:cSld>
+  <p:clrMapOvr>
+    <a:masterClrMapping/>
+  </p:clrMapOvr>
+</p:notes>
+</file>
+
+<file path=ppt/notesSlides/notesSlide18.xml><?xml version="1.0" encoding="utf-8"?>
+<p:notes xmlns:a="http://schemas.openxmlformats.org/drawingml/2006/main" xmlns:r="http://schemas.openxmlformats.org/officeDocument/2006/relationships" xmlns:p="http://schemas.openxmlformats.org/presentationml/2006/main">
+  <p:cSld>
+    <p:spTree>
+      <p:nvGrpSpPr>
+        <p:cNvPr id="1" name=""/>
+        <p:cNvGrpSpPr/>
+        <p:nvPr/>
+      </p:nvGrpSpPr>
+      <p:grpSpPr>
+        <a:xfrm>
+          <a:off x="0" y="0"/>
+          <a:ext cx="0" cy="0"/>
+          <a:chOff x="0" y="0"/>
+          <a:chExt cx="0" cy="0"/>
+        </a:xfrm>
+      </p:grpSpPr>
+      <p:sp>
+        <p:nvSpPr>
+          <p:cNvPr id="2" name="Slide Image Placeholder 1"/>
+          <p:cNvSpPr>
+            <a:spLocks noGrp="1" noRot="1" noChangeAspect="1"/>
+          </p:cNvSpPr>
+          <p:nvPr>
+            <p:ph type="sldImg"/>
+          </p:nvPr>
+        </p:nvSpPr>
+        <p:spPr/>
+      </p:sp>
+      <p:sp>
+        <p:nvSpPr>
+          <p:cNvPr id="3" name="Notes Placeholder 2"/>
+          <p:cNvSpPr>
+            <a:spLocks noGrp="1"/>
+          </p:cNvSpPr>
+          <p:nvPr>
+            <p:ph type="body" idx="1"/>
+          </p:nvPr>
+        </p:nvSpPr>
+        <p:spPr/>
+        <p:txBody>
+          <a:bodyPr/>
+          <a:lstStyle/>
+          <a:p>
+            <a:endParaRPr lang="en-US"/>
+          </a:p>
+        </p:txBody>
+      </p:sp>
+      <p:sp>
+        <p:nvSpPr>
+          <p:cNvPr id="4" name="Slide Number Placeholder 3"/>
+          <p:cNvSpPr>
+            <a:spLocks noGrp="1"/>
+          </p:cNvSpPr>
+          <p:nvPr>
+            <p:ph type="sldNum" sz="quarter" idx="10"/>
+          </p:nvPr>
+        </p:nvSpPr>
+        <p:spPr/>
+        <p:txBody>
+          <a:bodyPr/>
+          <a:lstStyle/>
+          <a:p>
+            <a:fld id="{8B263312-38AA-4E1E-B2B5-0F8F122B24FE}" type="slidenum">
+              <a:rPr lang="en-US" smtClean="0"/>
+              <a:pPr/>
+              <a:t>18</a:t>
+            </a:fld>
+            <a:endParaRPr lang="en-US" dirty="0"/>
+          </a:p>
+        </p:txBody>
+      </p:sp>
+    </p:spTree>
+    <p:extLst>
+      <p:ext uri="{BB962C8B-B14F-4D97-AF65-F5344CB8AC3E}">
+        <p14:creationId xmlns:p14="http://schemas.microsoft.com/office/powerpoint/2010/main" val="2363831921"/>
+      </p:ext>
+    </p:extLst>
+  </p:cSld>
+  <p:clrMapOvr>
+    <a:masterClrMapping/>
+  </p:clrMapOvr>
+</p:notes>
+</file>
+
+<file path=ppt/notesSlides/notesSlide19.xml><?xml version="1.0" encoding="utf-8"?>
+<p:notes xmlns:a="http://schemas.openxmlformats.org/drawingml/2006/main" xmlns:r="http://schemas.openxmlformats.org/officeDocument/2006/relationships" xmlns:p="http://schemas.openxmlformats.org/presentationml/2006/main">
+  <p:cSld>
+    <p:spTree>
+      <p:nvGrpSpPr>
+        <p:cNvPr id="1" name=""/>
+        <p:cNvGrpSpPr/>
+        <p:nvPr/>
+      </p:nvGrpSpPr>
+      <p:grpSpPr>
+        <a:xfrm>
+          <a:off x="0" y="0"/>
+          <a:ext cx="0" cy="0"/>
+          <a:chOff x="0" y="0"/>
+          <a:chExt cx="0" cy="0"/>
+        </a:xfrm>
+      </p:grpSpPr>
+      <p:sp>
+        <p:nvSpPr>
+          <p:cNvPr id="2" name="Slide Image Placeholder 1"/>
+          <p:cNvSpPr>
+            <a:spLocks noGrp="1" noRot="1" noChangeAspect="1"/>
+          </p:cNvSpPr>
+          <p:nvPr>
+            <p:ph type="sldImg"/>
+          </p:nvPr>
+        </p:nvSpPr>
+        <p:spPr/>
+      </p:sp>
+      <p:sp>
+        <p:nvSpPr>
+          <p:cNvPr id="3" name="Notes Placeholder 2"/>
+          <p:cNvSpPr>
+            <a:spLocks noGrp="1"/>
+          </p:cNvSpPr>
+          <p:nvPr>
+            <p:ph type="body" idx="1"/>
+          </p:nvPr>
+        </p:nvSpPr>
+        <p:spPr/>
+        <p:txBody>
+          <a:bodyPr/>
+          <a:lstStyle/>
+          <a:p>
+            <a:endParaRPr lang="en-US"/>
+          </a:p>
+        </p:txBody>
+      </p:sp>
+      <p:sp>
+        <p:nvSpPr>
+          <p:cNvPr id="4" name="Slide Number Placeholder 3"/>
+          <p:cNvSpPr>
+            <a:spLocks noGrp="1"/>
+          </p:cNvSpPr>
+          <p:nvPr>
+            <p:ph type="sldNum" sz="quarter" idx="10"/>
+          </p:nvPr>
+        </p:nvSpPr>
+        <p:spPr/>
+        <p:txBody>
+          <a:bodyPr/>
+          <a:lstStyle/>
+          <a:p>
+            <a:fld id="{8B263312-38AA-4E1E-B2B5-0F8F122B24FE}" type="slidenum">
+              <a:rPr lang="en-US" smtClean="0"/>
+              <a:pPr/>
+              <a:t>19</a:t>
+            </a:fld>
+            <a:endParaRPr lang="en-US" dirty="0"/>
+          </a:p>
+        </p:txBody>
+      </p:sp>
+    </p:spTree>
+    <p:extLst>
+      <p:ext uri="{BB962C8B-B14F-4D97-AF65-F5344CB8AC3E}">
+        <p14:creationId xmlns:p14="http://schemas.microsoft.com/office/powerpoint/2010/main" val="1042382909"/>
+      </p:ext>
+    </p:extLst>
+  </p:cSld>
+  <p:clrMapOvr>
+    <a:masterClrMapping/>
+  </p:clrMapOvr>
+</p:notes>
+</file>
+
+<file path=ppt/notesSlides/notesSlide2.xml><?xml version="1.0" encoding="utf-8"?>
+<p:notes xmlns:a="http://schemas.openxmlformats.org/drawingml/2006/main" xmlns:r="http://schemas.openxmlformats.org/officeDocument/2006/relationships" xmlns:p="http://schemas.openxmlformats.org/presentationml/2006/main">
+  <p:cSld>
+    <p:spTree>
+      <p:nvGrpSpPr>
+        <p:cNvPr id="1" name=""/>
+        <p:cNvGrpSpPr/>
+        <p:nvPr/>
+      </p:nvGrpSpPr>
+      <p:grpSpPr>
+        <a:xfrm>
+          <a:off x="0" y="0"/>
+          <a:ext cx="0" cy="0"/>
+          <a:chOff x="0" y="0"/>
+          <a:chExt cx="0" cy="0"/>
+        </a:xfrm>
+      </p:grpSpPr>
+      <p:sp>
+        <p:nvSpPr>
+          <p:cNvPr id="2" name="Slide Image Placeholder 1"/>
+          <p:cNvSpPr>
+            <a:spLocks noGrp="1" noRot="1" noChangeAspect="1"/>
+          </p:cNvSpPr>
+          <p:nvPr>
+            <p:ph type="sldImg"/>
+          </p:nvPr>
+        </p:nvSpPr>
+        <p:spPr/>
+      </p:sp>
+      <p:sp>
+        <p:nvSpPr>
+          <p:cNvPr id="3" name="Notes Placeholder 2"/>
+          <p:cNvSpPr>
+            <a:spLocks noGrp="1"/>
+          </p:cNvSpPr>
+          <p:nvPr>
+            <p:ph type="body" idx="1"/>
+          </p:nvPr>
+        </p:nvSpPr>
+        <p:spPr/>
+        <p:txBody>
+          <a:bodyPr/>
+          <a:lstStyle/>
+          <a:p>
+            <a:endParaRPr lang="en-US"/>
+          </a:p>
+        </p:txBody>
+      </p:sp>
+      <p:sp>
+        <p:nvSpPr>
+          <p:cNvPr id="4" name="Slide Number Placeholder 3"/>
+          <p:cNvSpPr>
+            <a:spLocks noGrp="1"/>
+          </p:cNvSpPr>
+          <p:nvPr>
+            <p:ph type="sldNum" sz="quarter" idx="10"/>
+          </p:nvPr>
+        </p:nvSpPr>
+        <p:spPr/>
+        <p:txBody>
+          <a:bodyPr/>
+          <a:lstStyle/>
+          <a:p>
+            <a:fld id="{8B263312-38AA-4E1E-B2B5-0F8F122B24FE}" type="slidenum">
+              <a:rPr lang="en-US" smtClean="0"/>
+              <a:pPr/>
+              <a:t>2</a:t>
+            </a:fld>
+            <a:endParaRPr lang="en-US" dirty="0"/>
+          </a:p>
+        </p:txBody>
+      </p:sp>
+    </p:spTree>
+    <p:extLst>
+      <p:ext uri="{BB962C8B-B14F-4D97-AF65-F5344CB8AC3E}">
+        <p14:creationId xmlns:p14="http://schemas.microsoft.com/office/powerpoint/2010/main" val="3595892125"/>
+      </p:ext>
+    </p:extLst>
+  </p:cSld>
+  <p:clrMapOvr>
+    <a:masterClrMapping/>
+  </p:clrMapOvr>
+</p:notes>
+</file>
+
+<file path=ppt/notesSlides/notesSlide20.xml><?xml version="1.0" encoding="utf-8"?>
+<p:notes xmlns:a="http://schemas.openxmlformats.org/drawingml/2006/main" xmlns:r="http://schemas.openxmlformats.org/officeDocument/2006/relationships" xmlns:p="http://schemas.openxmlformats.org/presentationml/2006/main">
+  <p:cSld>
+    <p:spTree>
+      <p:nvGrpSpPr>
+        <p:cNvPr id="1" name=""/>
+        <p:cNvGrpSpPr/>
+        <p:nvPr/>
+      </p:nvGrpSpPr>
+      <p:grpSpPr>
+        <a:xfrm>
+          <a:off x="0" y="0"/>
+          <a:ext cx="0" cy="0"/>
+          <a:chOff x="0" y="0"/>
+          <a:chExt cx="0" cy="0"/>
+        </a:xfrm>
+      </p:grpSpPr>
+      <p:sp>
+        <p:nvSpPr>
+          <p:cNvPr id="2" name="Slide Image Placeholder 1"/>
+          <p:cNvSpPr>
+            <a:spLocks noGrp="1" noRot="1" noChangeAspect="1"/>
+          </p:cNvSpPr>
+          <p:nvPr>
+            <p:ph type="sldImg"/>
+          </p:nvPr>
+        </p:nvSpPr>
+        <p:spPr/>
+      </p:sp>
+      <p:sp>
+        <p:nvSpPr>
+          <p:cNvPr id="3" name="Notes Placeholder 2"/>
+          <p:cNvSpPr>
+            <a:spLocks noGrp="1"/>
+          </p:cNvSpPr>
+          <p:nvPr>
+            <p:ph type="body" idx="1"/>
+          </p:nvPr>
+        </p:nvSpPr>
+        <p:spPr/>
+        <p:txBody>
+          <a:bodyPr/>
+          <a:lstStyle/>
+          <a:p>
+            <a:endParaRPr lang="en-US"/>
+          </a:p>
+        </p:txBody>
+      </p:sp>
+      <p:sp>
+        <p:nvSpPr>
+          <p:cNvPr id="4" name="Slide Number Placeholder 3"/>
+          <p:cNvSpPr>
+            <a:spLocks noGrp="1"/>
+          </p:cNvSpPr>
+          <p:nvPr>
+            <p:ph type="sldNum" sz="quarter" idx="10"/>
+          </p:nvPr>
+        </p:nvSpPr>
+        <p:spPr/>
+        <p:txBody>
+          <a:bodyPr/>
+          <a:lstStyle/>
+          <a:p>
+            <a:fld id="{8B263312-38AA-4E1E-B2B5-0F8F122B24FE}" type="slidenum">
+              <a:rPr lang="en-US" smtClean="0"/>
+              <a:pPr/>
+              <a:t>20</a:t>
+            </a:fld>
+            <a:endParaRPr lang="en-US" dirty="0"/>
+          </a:p>
+        </p:txBody>
+      </p:sp>
+    </p:spTree>
+    <p:extLst>
+      <p:ext uri="{BB962C8B-B14F-4D97-AF65-F5344CB8AC3E}">
+        <p14:creationId xmlns:p14="http://schemas.microsoft.com/office/powerpoint/2010/main" val="1600117786"/>
+      </p:ext>
+    </p:extLst>
+  </p:cSld>
+  <p:clrMapOvr>
+    <a:masterClrMapping/>
+  </p:clrMapOvr>
+</p:notes>
+</file>
+
+<file path=ppt/notesSlides/notesSlide21.xml><?xml version="1.0" encoding="utf-8"?>
+<p:notes xmlns:a="http://schemas.openxmlformats.org/drawingml/2006/main" xmlns:r="http://schemas.openxmlformats.org/officeDocument/2006/relationships" xmlns:p="http://schemas.openxmlformats.org/presentationml/2006/main">
+  <p:cSld>
+    <p:spTree>
+      <p:nvGrpSpPr>
+        <p:cNvPr id="1" name=""/>
+        <p:cNvGrpSpPr/>
+        <p:nvPr/>
+      </p:nvGrpSpPr>
+      <p:grpSpPr>
+        <a:xfrm>
+          <a:off x="0" y="0"/>
+          <a:ext cx="0" cy="0"/>
+          <a:chOff x="0" y="0"/>
+          <a:chExt cx="0" cy="0"/>
+        </a:xfrm>
+      </p:grpSpPr>
+      <p:sp>
+        <p:nvSpPr>
+          <p:cNvPr id="2" name="Slide Image Placeholder 1"/>
+          <p:cNvSpPr>
+            <a:spLocks noGrp="1" noRot="1" noChangeAspect="1"/>
+          </p:cNvSpPr>
+          <p:nvPr>
+            <p:ph type="sldImg"/>
+          </p:nvPr>
+        </p:nvSpPr>
+        <p:spPr/>
+      </p:sp>
+      <p:sp>
+        <p:nvSpPr>
+          <p:cNvPr id="3" name="Notes Placeholder 2"/>
+          <p:cNvSpPr>
+            <a:spLocks noGrp="1"/>
+          </p:cNvSpPr>
+          <p:nvPr>
+            <p:ph type="body" idx="1"/>
+          </p:nvPr>
+        </p:nvSpPr>
+        <p:spPr/>
+        <p:txBody>
+          <a:bodyPr/>
+          <a:lstStyle/>
+          <a:p>
+            <a:endParaRPr lang="en-US"/>
+          </a:p>
+        </p:txBody>
+      </p:sp>
+      <p:sp>
+        <p:nvSpPr>
+          <p:cNvPr id="4" name="Slide Number Placeholder 3"/>
+          <p:cNvSpPr>
+            <a:spLocks noGrp="1"/>
+          </p:cNvSpPr>
+          <p:nvPr>
+            <p:ph type="sldNum" sz="quarter" idx="10"/>
+          </p:nvPr>
+        </p:nvSpPr>
+        <p:spPr/>
+        <p:txBody>
+          <a:bodyPr/>
+          <a:lstStyle/>
+          <a:p>
+            <a:fld id="{8B263312-38AA-4E1E-B2B5-0F8F122B24FE}" type="slidenum">
+              <a:rPr lang="en-US" smtClean="0"/>
+              <a:pPr/>
+              <a:t>21</a:t>
+            </a:fld>
+            <a:endParaRPr lang="en-US" dirty="0"/>
+          </a:p>
+        </p:txBody>
+      </p:sp>
+    </p:spTree>
+    <p:extLst>
+      <p:ext uri="{BB962C8B-B14F-4D97-AF65-F5344CB8AC3E}">
+        <p14:creationId xmlns:p14="http://schemas.microsoft.com/office/powerpoint/2010/main" val="3742421031"/>
+      </p:ext>
+    </p:extLst>
+  </p:cSld>
+  <p:clrMapOvr>
+    <a:masterClrMapping/>
+  </p:clrMapOvr>
+</p:notes>
+</file>
+
+<file path=ppt/notesSlides/notesSlide22.xml><?xml version="1.0" encoding="utf-8"?>
+<p:notes xmlns:a="http://schemas.openxmlformats.org/drawingml/2006/main" xmlns:r="http://schemas.openxmlformats.org/officeDocument/2006/relationships" xmlns:p="http://schemas.openxmlformats.org/presentationml/2006/main">
+  <p:cSld>
+    <p:spTree>
+      <p:nvGrpSpPr>
+        <p:cNvPr id="1" name=""/>
+        <p:cNvGrpSpPr/>
+        <p:nvPr/>
+      </p:nvGrpSpPr>
+      <p:grpSpPr>
+        <a:xfrm>
+          <a:off x="0" y="0"/>
+          <a:ext cx="0" cy="0"/>
+          <a:chOff x="0" y="0"/>
+          <a:chExt cx="0" cy="0"/>
+        </a:xfrm>
+      </p:grpSpPr>
+      <p:sp>
+        <p:nvSpPr>
+          <p:cNvPr id="2" name="Slide Image Placeholder 1"/>
+          <p:cNvSpPr>
+            <a:spLocks noGrp="1" noRot="1" noChangeAspect="1"/>
+          </p:cNvSpPr>
+          <p:nvPr>
+            <p:ph type="sldImg"/>
+          </p:nvPr>
+        </p:nvSpPr>
+        <p:spPr/>
+      </p:sp>
+      <p:sp>
+        <p:nvSpPr>
+          <p:cNvPr id="3" name="Notes Placeholder 2"/>
+          <p:cNvSpPr>
+            <a:spLocks noGrp="1"/>
+          </p:cNvSpPr>
+          <p:nvPr>
+            <p:ph type="body" idx="1"/>
+          </p:nvPr>
+        </p:nvSpPr>
+        <p:spPr/>
+        <p:txBody>
+          <a:bodyPr/>
+          <a:lstStyle/>
+          <a:p>
+            <a:endParaRPr lang="en-US"/>
+          </a:p>
+        </p:txBody>
+      </p:sp>
+      <p:sp>
+        <p:nvSpPr>
+          <p:cNvPr id="4" name="Slide Number Placeholder 3"/>
+          <p:cNvSpPr>
+            <a:spLocks noGrp="1"/>
+          </p:cNvSpPr>
+          <p:nvPr>
+            <p:ph type="sldNum" sz="quarter" idx="10"/>
+          </p:nvPr>
+        </p:nvSpPr>
+        <p:spPr/>
+        <p:txBody>
+          <a:bodyPr/>
+          <a:lstStyle/>
+          <a:p>
+            <a:fld id="{8B263312-38AA-4E1E-B2B5-0F8F122B24FE}" type="slidenum">
+              <a:rPr lang="en-US" smtClean="0"/>
+              <a:pPr/>
+              <a:t>22</a:t>
+            </a:fld>
+            <a:endParaRPr lang="en-US" dirty="0"/>
+          </a:p>
+        </p:txBody>
+      </p:sp>
+    </p:spTree>
+    <p:extLst>
+      <p:ext uri="{BB962C8B-B14F-4D97-AF65-F5344CB8AC3E}">
+        <p14:creationId xmlns:p14="http://schemas.microsoft.com/office/powerpoint/2010/main" val="3899618931"/>
+      </p:ext>
+    </p:extLst>
+  </p:cSld>
+  <p:clrMapOvr>
+    <a:masterClrMapping/>
+  </p:clrMapOvr>
+</p:notes>
+</file>
+
+<file path=ppt/notesSlides/notesSlide23.xml><?xml version="1.0" encoding="utf-8"?>
+<p:notes xmlns:a="http://schemas.openxmlformats.org/drawingml/2006/main" xmlns:r="http://schemas.openxmlformats.org/officeDocument/2006/relationships" xmlns:p="http://schemas.openxmlformats.org/presentationml/2006/main">
+  <p:cSld>
+    <p:spTree>
+      <p:nvGrpSpPr>
+        <p:cNvPr id="1" name=""/>
+        <p:cNvGrpSpPr/>
+        <p:nvPr/>
+      </p:nvGrpSpPr>
+      <p:grpSpPr>
+        <a:xfrm>
+          <a:off x="0" y="0"/>
+          <a:ext cx="0" cy="0"/>
+          <a:chOff x="0" y="0"/>
+          <a:chExt cx="0" cy="0"/>
+        </a:xfrm>
+      </p:grpSpPr>
+      <p:sp>
+        <p:nvSpPr>
+          <p:cNvPr id="2" name="Slide Image Placeholder 1"/>
+          <p:cNvSpPr>
+            <a:spLocks noGrp="1" noRot="1" noChangeAspect="1"/>
+          </p:cNvSpPr>
+          <p:nvPr>
+            <p:ph type="sldImg"/>
+          </p:nvPr>
+        </p:nvSpPr>
+        <p:spPr/>
+      </p:sp>
+      <p:sp>
+        <p:nvSpPr>
+          <p:cNvPr id="3" name="Notes Placeholder 2"/>
+          <p:cNvSpPr>
+            <a:spLocks noGrp="1"/>
+          </p:cNvSpPr>
+          <p:nvPr>
+            <p:ph type="body" idx="1"/>
+          </p:nvPr>
+        </p:nvSpPr>
+        <p:spPr/>
+        <p:txBody>
+          <a:bodyPr/>
+          <a:lstStyle/>
+          <a:p>
+            <a:endParaRPr lang="en-US"/>
+          </a:p>
+        </p:txBody>
+      </p:sp>
+      <p:sp>
+        <p:nvSpPr>
+          <p:cNvPr id="4" name="Slide Number Placeholder 3"/>
+          <p:cNvSpPr>
+            <a:spLocks noGrp="1"/>
+          </p:cNvSpPr>
+          <p:nvPr>
+            <p:ph type="sldNum" sz="quarter" idx="10"/>
+          </p:nvPr>
+        </p:nvSpPr>
+        <p:spPr/>
+        <p:txBody>
+          <a:bodyPr/>
+          <a:lstStyle/>
+          <a:p>
+            <a:fld id="{8B263312-38AA-4E1E-B2B5-0F8F122B24FE}" type="slidenum">
+              <a:rPr lang="en-US" smtClean="0"/>
+              <a:pPr/>
+              <a:t>23</a:t>
+            </a:fld>
+            <a:endParaRPr lang="en-US" dirty="0"/>
+          </a:p>
+        </p:txBody>
+      </p:sp>
+    </p:spTree>
+    <p:extLst>
+      <p:ext uri="{BB962C8B-B14F-4D97-AF65-F5344CB8AC3E}">
+        <p14:creationId xmlns:p14="http://schemas.microsoft.com/office/powerpoint/2010/main" val="3485061780"/>
+      </p:ext>
+    </p:extLst>
+  </p:cSld>
+  <p:clrMapOvr>
+    <a:masterClrMapping/>
+  </p:clrMapOvr>
+</p:notes>
+</file>
+
+<file path=ppt/notesSlides/notesSlide24.xml><?xml version="1.0" encoding="utf-8"?>
+<p:notes xmlns:a="http://schemas.openxmlformats.org/drawingml/2006/main" xmlns:r="http://schemas.openxmlformats.org/officeDocument/2006/relationships" xmlns:p="http://schemas.openxmlformats.org/presentationml/2006/main">
+  <p:cSld>
+    <p:spTree>
+      <p:nvGrpSpPr>
+        <p:cNvPr id="1" name=""/>
+        <p:cNvGrpSpPr/>
+        <p:nvPr/>
+      </p:nvGrpSpPr>
+      <p:grpSpPr>
+        <a:xfrm>
+          <a:off x="0" y="0"/>
+          <a:ext cx="0" cy="0"/>
+          <a:chOff x="0" y="0"/>
+          <a:chExt cx="0" cy="0"/>
+        </a:xfrm>
+      </p:grpSpPr>
+      <p:sp>
+        <p:nvSpPr>
+          <p:cNvPr id="2" name="Slide Image Placeholder 1"/>
+          <p:cNvSpPr>
+            <a:spLocks noGrp="1" noRot="1" noChangeAspect="1"/>
+          </p:cNvSpPr>
+          <p:nvPr>
+            <p:ph type="sldImg"/>
+          </p:nvPr>
+        </p:nvSpPr>
+        <p:spPr/>
+      </p:sp>
+      <p:sp>
+        <p:nvSpPr>
+          <p:cNvPr id="3" name="Notes Placeholder 2"/>
+          <p:cNvSpPr>
+            <a:spLocks noGrp="1"/>
+          </p:cNvSpPr>
+          <p:nvPr>
+            <p:ph type="body" idx="1"/>
+          </p:nvPr>
+        </p:nvSpPr>
+        <p:spPr/>
+        <p:txBody>
+          <a:bodyPr/>
+          <a:lstStyle/>
+          <a:p>
+            <a:endParaRPr lang="en-US"/>
+          </a:p>
+        </p:txBody>
+      </p:sp>
+      <p:sp>
+        <p:nvSpPr>
+          <p:cNvPr id="4" name="Slide Number Placeholder 3"/>
+          <p:cNvSpPr>
+            <a:spLocks noGrp="1"/>
+          </p:cNvSpPr>
+          <p:nvPr>
+            <p:ph type="sldNum" sz="quarter" idx="10"/>
+          </p:nvPr>
+        </p:nvSpPr>
+        <p:spPr/>
+        <p:txBody>
+          <a:bodyPr/>
+          <a:lstStyle/>
+          <a:p>
+            <a:fld id="{8B263312-38AA-4E1E-B2B5-0F8F122B24FE}" type="slidenum">
+              <a:rPr lang="en-US" smtClean="0"/>
+              <a:pPr/>
+              <a:t>24</a:t>
+            </a:fld>
+            <a:endParaRPr lang="en-US" dirty="0"/>
+          </a:p>
+        </p:txBody>
+      </p:sp>
+    </p:spTree>
+    <p:extLst>
+      <p:ext uri="{BB962C8B-B14F-4D97-AF65-F5344CB8AC3E}">
+        <p14:creationId xmlns:p14="http://schemas.microsoft.com/office/powerpoint/2010/main" val="627162550"/>
+      </p:ext>
+    </p:extLst>
+  </p:cSld>
+  <p:clrMapOvr>
+    <a:masterClrMapping/>
+  </p:clrMapOvr>
+</p:notes>
+</file>
+
+<file path=ppt/notesSlides/notesSlide25.xml><?xml version="1.0" encoding="utf-8"?>
+<p:notes xmlns:a="http://schemas.openxmlformats.org/drawingml/2006/main" xmlns:r="http://schemas.openxmlformats.org/officeDocument/2006/relationships" xmlns:p="http://schemas.openxmlformats.org/presentationml/2006/main">
+  <p:cSld>
+    <p:spTree>
+      <p:nvGrpSpPr>
+        <p:cNvPr id="1" name=""/>
+        <p:cNvGrpSpPr/>
+        <p:nvPr/>
+      </p:nvGrpSpPr>
+      <p:grpSpPr>
+        <a:xfrm>
+          <a:off x="0" y="0"/>
+          <a:ext cx="0" cy="0"/>
+          <a:chOff x="0" y="0"/>
+          <a:chExt cx="0" cy="0"/>
+        </a:xfrm>
+      </p:grpSpPr>
+      <p:sp>
+        <p:nvSpPr>
+          <p:cNvPr id="2" name="Slide Image Placeholder 1"/>
+          <p:cNvSpPr>
+            <a:spLocks noGrp="1" noRot="1" noChangeAspect="1"/>
+          </p:cNvSpPr>
+          <p:nvPr>
+            <p:ph type="sldImg"/>
+          </p:nvPr>
+        </p:nvSpPr>
+        <p:spPr/>
+      </p:sp>
+      <p:sp>
+        <p:nvSpPr>
+          <p:cNvPr id="3" name="Notes Placeholder 2"/>
+          <p:cNvSpPr>
+            <a:spLocks noGrp="1"/>
+          </p:cNvSpPr>
+          <p:nvPr>
+            <p:ph type="body" idx="1"/>
+          </p:nvPr>
+        </p:nvSpPr>
+        <p:spPr/>
+        <p:txBody>
+          <a:bodyPr/>
+          <a:lstStyle/>
+          <a:p>
+            <a:endParaRPr lang="en-US"/>
+          </a:p>
+        </p:txBody>
+      </p:sp>
+      <p:sp>
+        <p:nvSpPr>
+          <p:cNvPr id="4" name="Slide Number Placeholder 3"/>
+          <p:cNvSpPr>
+            <a:spLocks noGrp="1"/>
+          </p:cNvSpPr>
+          <p:nvPr>
+            <p:ph type="sldNum" sz="quarter" idx="10"/>
+          </p:nvPr>
+        </p:nvSpPr>
+        <p:spPr/>
+        <p:txBody>
+          <a:bodyPr/>
+          <a:lstStyle/>
+          <a:p>
+            <a:fld id="{8B263312-38AA-4E1E-B2B5-0F8F122B24FE}" type="slidenum">
+              <a:rPr lang="en-US" smtClean="0"/>
+              <a:pPr/>
+              <a:t>25</a:t>
+            </a:fld>
+            <a:endParaRPr lang="en-US" dirty="0"/>
+          </a:p>
+        </p:txBody>
+      </p:sp>
+    </p:spTree>
+    <p:extLst>
+      <p:ext uri="{BB962C8B-B14F-4D97-AF65-F5344CB8AC3E}">
+        <p14:creationId xmlns:p14="http://schemas.microsoft.com/office/powerpoint/2010/main" val="2743067930"/>
+      </p:ext>
+    </p:extLst>
+  </p:cSld>
+  <p:clrMapOvr>
+    <a:masterClrMapping/>
+  </p:clrMapOvr>
+</p:notes>
+</file>
+
+<file path=ppt/notesSlides/notesSlide26.xml><?xml version="1.0" encoding="utf-8"?>
+<p:notes xmlns:a="http://schemas.openxmlformats.org/drawingml/2006/main" xmlns:r="http://schemas.openxmlformats.org/officeDocument/2006/relationships" xmlns:p="http://schemas.openxmlformats.org/presentationml/2006/main">
+  <p:cSld>
+    <p:spTree>
+      <p:nvGrpSpPr>
+        <p:cNvPr id="1" name=""/>
+        <p:cNvGrpSpPr/>
+        <p:nvPr/>
+      </p:nvGrpSpPr>
+      <p:grpSpPr>
+        <a:xfrm>
+          <a:off x="0" y="0"/>
+          <a:ext cx="0" cy="0"/>
+          <a:chOff x="0" y="0"/>
+          <a:chExt cx="0" cy="0"/>
+        </a:xfrm>
+      </p:grpSpPr>
+      <p:sp>
+        <p:nvSpPr>
+          <p:cNvPr id="2" name="Slide Image Placeholder 1"/>
+          <p:cNvSpPr>
+            <a:spLocks noGrp="1" noRot="1" noChangeAspect="1"/>
+          </p:cNvSpPr>
+          <p:nvPr>
+            <p:ph type="sldImg"/>
+          </p:nvPr>
+        </p:nvSpPr>
+        <p:spPr/>
+      </p:sp>
+      <p:sp>
+        <p:nvSpPr>
+          <p:cNvPr id="3" name="Notes Placeholder 2"/>
+          <p:cNvSpPr>
+            <a:spLocks noGrp="1"/>
+          </p:cNvSpPr>
+          <p:nvPr>
+            <p:ph type="body" idx="1"/>
+          </p:nvPr>
+        </p:nvSpPr>
+        <p:spPr/>
+        <p:txBody>
+          <a:bodyPr/>
+          <a:lstStyle/>
+          <a:p>
+            <a:endParaRPr lang="en-US"/>
+          </a:p>
+        </p:txBody>
+      </p:sp>
+      <p:sp>
+        <p:nvSpPr>
+          <p:cNvPr id="4" name="Slide Number Placeholder 3"/>
+          <p:cNvSpPr>
+            <a:spLocks noGrp="1"/>
+          </p:cNvSpPr>
+          <p:nvPr>
+            <p:ph type="sldNum" sz="quarter" idx="10"/>
+          </p:nvPr>
+        </p:nvSpPr>
+        <p:spPr/>
+        <p:txBody>
+          <a:bodyPr/>
+          <a:lstStyle/>
+          <a:p>
+            <a:fld id="{8B263312-38AA-4E1E-B2B5-0F8F122B24FE}" type="slidenum">
+              <a:rPr lang="en-US" smtClean="0"/>
+              <a:pPr/>
+              <a:t>26</a:t>
+            </a:fld>
+            <a:endParaRPr lang="en-US" dirty="0"/>
+          </a:p>
+        </p:txBody>
+      </p:sp>
+    </p:spTree>
+    <p:extLst>
+      <p:ext uri="{BB962C8B-B14F-4D97-AF65-F5344CB8AC3E}">
+        <p14:creationId xmlns:p14="http://schemas.microsoft.com/office/powerpoint/2010/main" val="2224006266"/>
+      </p:ext>
+    </p:extLst>
+  </p:cSld>
+  <p:clrMapOvr>
+    <a:masterClrMapping/>
+  </p:clrMapOvr>
+</p:notes>
+</file>
+
+<file path=ppt/notesSlides/notesSlide27.xml><?xml version="1.0" encoding="utf-8"?>
+<p:notes xmlns:a="http://schemas.openxmlformats.org/drawingml/2006/main" xmlns:r="http://schemas.openxmlformats.org/officeDocument/2006/relationships" xmlns:p="http://schemas.openxmlformats.org/presentationml/2006/main">
+  <p:cSld>
+    <p:spTree>
+      <p:nvGrpSpPr>
+        <p:cNvPr id="1" name=""/>
+        <p:cNvGrpSpPr/>
+        <p:nvPr/>
+      </p:nvGrpSpPr>
+      <p:grpSpPr>
+        <a:xfrm>
+          <a:off x="0" y="0"/>
+          <a:ext cx="0" cy="0"/>
+          <a:chOff x="0" y="0"/>
+          <a:chExt cx="0" cy="0"/>
+        </a:xfrm>
+      </p:grpSpPr>
+      <p:sp>
+        <p:nvSpPr>
+          <p:cNvPr id="2" name="Slide Image Placeholder 1"/>
+          <p:cNvSpPr>
+            <a:spLocks noGrp="1" noRot="1" noChangeAspect="1"/>
+          </p:cNvSpPr>
+          <p:nvPr>
+            <p:ph type="sldImg"/>
+          </p:nvPr>
+        </p:nvSpPr>
+        <p:spPr/>
+      </p:sp>
+      <p:sp>
+        <p:nvSpPr>
+          <p:cNvPr id="3" name="Notes Placeholder 2"/>
+          <p:cNvSpPr>
+            <a:spLocks noGrp="1"/>
+          </p:cNvSpPr>
+          <p:nvPr>
+            <p:ph type="body" idx="1"/>
+          </p:nvPr>
+        </p:nvSpPr>
+        <p:spPr/>
+        <p:txBody>
+          <a:bodyPr/>
+          <a:lstStyle/>
+          <a:p>
+            <a:endParaRPr lang="en-US"/>
+          </a:p>
+        </p:txBody>
+      </p:sp>
+      <p:sp>
+        <p:nvSpPr>
+          <p:cNvPr id="4" name="Slide Number Placeholder 3"/>
+          <p:cNvSpPr>
+            <a:spLocks noGrp="1"/>
+          </p:cNvSpPr>
+          <p:nvPr>
+            <p:ph type="sldNum" sz="quarter" idx="10"/>
+          </p:nvPr>
+        </p:nvSpPr>
+        <p:spPr/>
+        <p:txBody>
+          <a:bodyPr/>
+          <a:lstStyle/>
+          <a:p>
+            <a:fld id="{8B263312-38AA-4E1E-B2B5-0F8F122B24FE}" type="slidenum">
+              <a:rPr lang="en-US" smtClean="0"/>
+              <a:pPr/>
+              <a:t>27</a:t>
+            </a:fld>
+            <a:endParaRPr lang="en-US" dirty="0"/>
+          </a:p>
+        </p:txBody>
+      </p:sp>
+    </p:spTree>
+    <p:extLst>
+      <p:ext uri="{BB962C8B-B14F-4D97-AF65-F5344CB8AC3E}">
+        <p14:creationId xmlns:p14="http://schemas.microsoft.com/office/powerpoint/2010/main" val="1041650362"/>
+      </p:ext>
+    </p:extLst>
+  </p:cSld>
+  <p:clrMapOvr>
+    <a:masterClrMapping/>
+  </p:clrMapOvr>
+</p:notes>
+</file>
+
+<file path=ppt/notesSlides/notesSlide3.xml><?xml version="1.0" encoding="utf-8"?>
+<p:notes xmlns:a="http://schemas.openxmlformats.org/drawingml/2006/main" xmlns:r="http://schemas.openxmlformats.org/officeDocument/2006/relationships" xmlns:p="http://schemas.openxmlformats.org/presentationml/2006/main">
+  <p:cSld>
+    <p:spTree>
+      <p:nvGrpSpPr>
+        <p:cNvPr id="1" name=""/>
+        <p:cNvGrpSpPr/>
+        <p:nvPr/>
+      </p:nvGrpSpPr>
+      <p:grpSpPr>
+        <a:xfrm>
+          <a:off x="0" y="0"/>
+          <a:ext cx="0" cy="0"/>
+          <a:chOff x="0" y="0"/>
+          <a:chExt cx="0" cy="0"/>
+        </a:xfrm>
+      </p:grpSpPr>
+      <p:sp>
+        <p:nvSpPr>
+          <p:cNvPr id="2" name="Slide Image Placeholder 1"/>
+          <p:cNvSpPr>
+            <a:spLocks noGrp="1" noRot="1" noChangeAspect="1"/>
+          </p:cNvSpPr>
+          <p:nvPr>
+            <p:ph type="sldImg"/>
+          </p:nvPr>
+        </p:nvSpPr>
+        <p:spPr/>
+      </p:sp>
+      <p:sp>
+        <p:nvSpPr>
+          <p:cNvPr id="3" name="Notes Placeholder 2"/>
+          <p:cNvSpPr>
+            <a:spLocks noGrp="1"/>
+          </p:cNvSpPr>
+          <p:nvPr>
+            <p:ph type="body" idx="1"/>
+          </p:nvPr>
+        </p:nvSpPr>
+        <p:spPr/>
+        <p:txBody>
+          <a:bodyPr/>
+          <a:lstStyle/>
+          <a:p>
+            <a:endParaRPr lang="en-US"/>
+          </a:p>
+        </p:txBody>
+      </p:sp>
+      <p:sp>
+        <p:nvSpPr>
+          <p:cNvPr id="4" name="Slide Number Placeholder 3"/>
+          <p:cNvSpPr>
+            <a:spLocks noGrp="1"/>
+          </p:cNvSpPr>
+          <p:nvPr>
+            <p:ph type="sldNum" sz="quarter" idx="10"/>
+          </p:nvPr>
+        </p:nvSpPr>
+        <p:spPr/>
+        <p:txBody>
+          <a:bodyPr/>
+          <a:lstStyle/>
+          <a:p>
+            <a:fld id="{8B263312-38AA-4E1E-B2B5-0F8F122B24FE}" type="slidenum">
+              <a:rPr lang="en-US" smtClean="0"/>
+              <a:pPr/>
+              <a:t>3</a:t>
+            </a:fld>
+            <a:endParaRPr lang="en-US" dirty="0"/>
+          </a:p>
+        </p:txBody>
+      </p:sp>
+    </p:spTree>
+    <p:extLst>
+      <p:ext uri="{BB962C8B-B14F-4D97-AF65-F5344CB8AC3E}">
+        <p14:creationId xmlns:p14="http://schemas.microsoft.com/office/powerpoint/2010/main" val="3733556220"/>
+      </p:ext>
+    </p:extLst>
+  </p:cSld>
+  <p:clrMapOvr>
+    <a:masterClrMapping/>
+  </p:clrMapOvr>
+</p:notes>
+</file>
+
+<file path=ppt/notesSlides/notesSlide4.xml><?xml version="1.0" encoding="utf-8"?>
+<p:notes xmlns:a="http://schemas.openxmlformats.org/drawingml/2006/main" xmlns:r="http://schemas.openxmlformats.org/officeDocument/2006/relationships" xmlns:p="http://schemas.openxmlformats.org/presentationml/2006/main">
+  <p:cSld>
+    <p:spTree>
+      <p:nvGrpSpPr>
+        <p:cNvPr id="1" name=""/>
+        <p:cNvGrpSpPr/>
+        <p:nvPr/>
+      </p:nvGrpSpPr>
+      <p:grpSpPr>
+        <a:xfrm>
+          <a:off x="0" y="0"/>
+          <a:ext cx="0" cy="0"/>
+          <a:chOff x="0" y="0"/>
+          <a:chExt cx="0" cy="0"/>
+        </a:xfrm>
+      </p:grpSpPr>
+      <p:sp>
+        <p:nvSpPr>
+          <p:cNvPr id="2" name="Slide Image Placeholder 1"/>
+          <p:cNvSpPr>
+            <a:spLocks noGrp="1" noRot="1" noChangeAspect="1"/>
+          </p:cNvSpPr>
+          <p:nvPr>
+            <p:ph type="sldImg"/>
+          </p:nvPr>
+        </p:nvSpPr>
+        <p:spPr/>
+      </p:sp>
+      <p:sp>
+        <p:nvSpPr>
+          <p:cNvPr id="3" name="Notes Placeholder 2"/>
+          <p:cNvSpPr>
+            <a:spLocks noGrp="1"/>
+          </p:cNvSpPr>
+          <p:nvPr>
+            <p:ph type="body" idx="1"/>
+          </p:nvPr>
+        </p:nvSpPr>
+        <p:spPr/>
+        <p:txBody>
+          <a:bodyPr/>
+          <a:lstStyle/>
+          <a:p>
+            <a:endParaRPr lang="en-US"/>
+          </a:p>
+        </p:txBody>
+      </p:sp>
+      <p:sp>
+        <p:nvSpPr>
+          <p:cNvPr id="4" name="Slide Number Placeholder 3"/>
+          <p:cNvSpPr>
+            <a:spLocks noGrp="1"/>
+          </p:cNvSpPr>
+          <p:nvPr>
+            <p:ph type="sldNum" sz="quarter" idx="10"/>
+          </p:nvPr>
+        </p:nvSpPr>
+        <p:spPr/>
+        <p:txBody>
+          <a:bodyPr/>
+          <a:lstStyle/>
+          <a:p>
+            <a:fld id="{8B263312-38AA-4E1E-B2B5-0F8F122B24FE}" type="slidenum">
+              <a:rPr lang="en-US" smtClean="0"/>
+              <a:pPr/>
+              <a:t>4</a:t>
+            </a:fld>
+            <a:endParaRPr lang="en-US" dirty="0"/>
+          </a:p>
+        </p:txBody>
+      </p:sp>
+    </p:spTree>
+    <p:extLst>
+      <p:ext uri="{BB962C8B-B14F-4D97-AF65-F5344CB8AC3E}">
+        <p14:creationId xmlns:p14="http://schemas.microsoft.com/office/powerpoint/2010/main" val="1842160572"/>
+      </p:ext>
+    </p:extLst>
+  </p:cSld>
+  <p:clrMapOvr>
+    <a:masterClrMapping/>
+  </p:clrMapOvr>
+</p:notes>
+</file>
+
+<file path=ppt/notesSlides/notesSlide5.xml><?xml version="1.0" encoding="utf-8"?>
+<p:notes xmlns:a="http://schemas.openxmlformats.org/drawingml/2006/main" xmlns:r="http://schemas.openxmlformats.org/officeDocument/2006/relationships" xmlns:p="http://schemas.openxmlformats.org/presentationml/2006/main">
+  <p:cSld>
+    <p:spTree>
+      <p:nvGrpSpPr>
+        <p:cNvPr id="1" name=""/>
+        <p:cNvGrpSpPr/>
+        <p:nvPr/>
+      </p:nvGrpSpPr>
+      <p:grpSpPr>
+        <a:xfrm>
+          <a:off x="0" y="0"/>
+          <a:ext cx="0" cy="0"/>
+          <a:chOff x="0" y="0"/>
+          <a:chExt cx="0" cy="0"/>
+        </a:xfrm>
+      </p:grpSpPr>
+      <p:sp>
+        <p:nvSpPr>
+          <p:cNvPr id="2" name="Slide Image Placeholder 1"/>
+          <p:cNvSpPr>
+            <a:spLocks noGrp="1" noRot="1" noChangeAspect="1"/>
+          </p:cNvSpPr>
+          <p:nvPr>
+            <p:ph type="sldImg"/>
+          </p:nvPr>
+        </p:nvSpPr>
+        <p:spPr/>
+      </p:sp>
+      <p:sp>
+        <p:nvSpPr>
+          <p:cNvPr id="3" name="Notes Placeholder 2"/>
+          <p:cNvSpPr>
+            <a:spLocks noGrp="1"/>
+          </p:cNvSpPr>
+          <p:nvPr>
+            <p:ph type="body" idx="1"/>
+          </p:nvPr>
+        </p:nvSpPr>
+        <p:spPr/>
+        <p:txBody>
+          <a:bodyPr/>
+          <a:lstStyle/>
+          <a:p>
+            <a:endParaRPr lang="en-US"/>
+          </a:p>
+        </p:txBody>
+      </p:sp>
+      <p:sp>
+        <p:nvSpPr>
+          <p:cNvPr id="4" name="Slide Number Placeholder 3"/>
+          <p:cNvSpPr>
+            <a:spLocks noGrp="1"/>
+          </p:cNvSpPr>
+          <p:nvPr>
+            <p:ph type="sldNum" sz="quarter" idx="10"/>
+          </p:nvPr>
+        </p:nvSpPr>
+        <p:spPr/>
+        <p:txBody>
+          <a:bodyPr/>
+          <a:lstStyle/>
+          <a:p>
+            <a:fld id="{8B263312-38AA-4E1E-B2B5-0F8F122B24FE}" type="slidenum">
+              <a:rPr lang="en-US" smtClean="0"/>
+              <a:pPr/>
+              <a:t>5</a:t>
+            </a:fld>
+            <a:endParaRPr lang="en-US" dirty="0"/>
+          </a:p>
+        </p:txBody>
+      </p:sp>
+    </p:spTree>
+    <p:extLst>
+      <p:ext uri="{BB962C8B-B14F-4D97-AF65-F5344CB8AC3E}">
+        <p14:creationId xmlns:p14="http://schemas.microsoft.com/office/powerpoint/2010/main" val="3307136758"/>
+      </p:ext>
+    </p:extLst>
+  </p:cSld>
+  <p:clrMapOvr>
+    <a:masterClrMapping/>
+  </p:clrMapOvr>
+</p:notes>
+</file>
+
+<file path=ppt/notesSlides/notesSlide6.xml><?xml version="1.0" encoding="utf-8"?>
+<p:notes xmlns:a="http://schemas.openxmlformats.org/drawingml/2006/main" xmlns:r="http://schemas.openxmlformats.org/officeDocument/2006/relationships" xmlns:p="http://schemas.openxmlformats.org/presentationml/2006/main">
+  <p:cSld>
+    <p:spTree>
+      <p:nvGrpSpPr>
+        <p:cNvPr id="1" name=""/>
+        <p:cNvGrpSpPr/>
+        <p:nvPr/>
+      </p:nvGrpSpPr>
+      <p:grpSpPr>
+        <a:xfrm>
+          <a:off x="0" y="0"/>
+          <a:ext cx="0" cy="0"/>
+          <a:chOff x="0" y="0"/>
+          <a:chExt cx="0" cy="0"/>
+        </a:xfrm>
+      </p:grpSpPr>
+      <p:sp>
+        <p:nvSpPr>
+          <p:cNvPr id="2" name="Slide Image Placeholder 1"/>
+          <p:cNvSpPr>
+            <a:spLocks noGrp="1" noRot="1" noChangeAspect="1"/>
+          </p:cNvSpPr>
+          <p:nvPr>
+            <p:ph type="sldImg"/>
+          </p:nvPr>
+        </p:nvSpPr>
+        <p:spPr/>
+      </p:sp>
+      <p:sp>
+        <p:nvSpPr>
+          <p:cNvPr id="3" name="Notes Placeholder 2"/>
+          <p:cNvSpPr>
+            <a:spLocks noGrp="1"/>
+          </p:cNvSpPr>
+          <p:nvPr>
+            <p:ph type="body" idx="1"/>
+          </p:nvPr>
+        </p:nvSpPr>
+        <p:spPr/>
+        <p:txBody>
+          <a:bodyPr/>
+          <a:lstStyle/>
+          <a:p>
+            <a:endParaRPr lang="en-US"/>
+          </a:p>
+        </p:txBody>
+      </p:sp>
+      <p:sp>
+        <p:nvSpPr>
+          <p:cNvPr id="4" name="Slide Number Placeholder 3"/>
+          <p:cNvSpPr>
+            <a:spLocks noGrp="1"/>
+          </p:cNvSpPr>
+          <p:nvPr>
+            <p:ph type="sldNum" sz="quarter" idx="10"/>
+          </p:nvPr>
+        </p:nvSpPr>
+        <p:spPr/>
+        <p:txBody>
+          <a:bodyPr/>
+          <a:lstStyle/>
+          <a:p>
+            <a:fld id="{8B263312-38AA-4E1E-B2B5-0F8F122B24FE}" type="slidenum">
+              <a:rPr lang="en-US" smtClean="0"/>
+              <a:pPr/>
+              <a:t>6</a:t>
+            </a:fld>
+            <a:endParaRPr lang="en-US" dirty="0"/>
+          </a:p>
+        </p:txBody>
+      </p:sp>
+    </p:spTree>
+    <p:extLst>
+      <p:ext uri="{BB962C8B-B14F-4D97-AF65-F5344CB8AC3E}">
+        <p14:creationId xmlns:p14="http://schemas.microsoft.com/office/powerpoint/2010/main" val="714987531"/>
+      </p:ext>
+    </p:extLst>
+  </p:cSld>
+  <p:clrMapOvr>
+    <a:masterClrMapping/>
+  </p:clrMapOvr>
+</p:notes>
+</file>
+
+<file path=ppt/notesSlides/notesSlide7.xml><?xml version="1.0" encoding="utf-8"?>
+<p:notes xmlns:a="http://schemas.openxmlformats.org/drawingml/2006/main" xmlns:r="http://schemas.openxmlformats.org/officeDocument/2006/relationships" xmlns:p="http://schemas.openxmlformats.org/presentationml/2006/main">
+  <p:cSld>
+    <p:spTree>
+      <p:nvGrpSpPr>
+        <p:cNvPr id="1" name=""/>
+        <p:cNvGrpSpPr/>
+        <p:nvPr/>
+      </p:nvGrpSpPr>
+      <p:grpSpPr>
+        <a:xfrm>
+          <a:off x="0" y="0"/>
+          <a:ext cx="0" cy="0"/>
+          <a:chOff x="0" y="0"/>
+          <a:chExt cx="0" cy="0"/>
+        </a:xfrm>
+      </p:grpSpPr>
+      <p:sp>
+        <p:nvSpPr>
+          <p:cNvPr id="2" name="Slide Image Placeholder 1"/>
+          <p:cNvSpPr>
+            <a:spLocks noGrp="1" noRot="1" noChangeAspect="1"/>
+          </p:cNvSpPr>
+          <p:nvPr>
+            <p:ph type="sldImg"/>
+          </p:nvPr>
+        </p:nvSpPr>
+        <p:spPr/>
+      </p:sp>
+      <p:sp>
+        <p:nvSpPr>
+          <p:cNvPr id="3" name="Notes Placeholder 2"/>
+          <p:cNvSpPr>
+            <a:spLocks noGrp="1"/>
+          </p:cNvSpPr>
+          <p:nvPr>
+            <p:ph type="body" idx="1"/>
+          </p:nvPr>
+        </p:nvSpPr>
+        <p:spPr/>
+        <p:txBody>
+          <a:bodyPr/>
+          <a:lstStyle/>
+          <a:p>
+            <a:endParaRPr lang="en-US"/>
+          </a:p>
+        </p:txBody>
+      </p:sp>
+      <p:sp>
+        <p:nvSpPr>
+          <p:cNvPr id="4" name="Slide Number Placeholder 3"/>
+          <p:cNvSpPr>
+            <a:spLocks noGrp="1"/>
+          </p:cNvSpPr>
+          <p:nvPr>
+            <p:ph type="sldNum" sz="quarter" idx="10"/>
+          </p:nvPr>
+        </p:nvSpPr>
+        <p:spPr/>
+        <p:txBody>
+          <a:bodyPr/>
+          <a:lstStyle/>
+          <a:p>
+            <a:fld id="{8B263312-38AA-4E1E-B2B5-0F8F122B24FE}" type="slidenum">
+              <a:rPr lang="en-US" smtClean="0"/>
+              <a:pPr/>
+              <a:t>7</a:t>
+            </a:fld>
+            <a:endParaRPr lang="en-US" dirty="0"/>
+          </a:p>
+        </p:txBody>
+      </p:sp>
+    </p:spTree>
+    <p:extLst>
+      <p:ext uri="{BB962C8B-B14F-4D97-AF65-F5344CB8AC3E}">
+        <p14:creationId xmlns:p14="http://schemas.microsoft.com/office/powerpoint/2010/main" val="451276043"/>
+      </p:ext>
+    </p:extLst>
+  </p:cSld>
+  <p:clrMapOvr>
+    <a:masterClrMapping/>
+  </p:clrMapOvr>
+</p:notes>
+</file>
+
+<file path=ppt/notesSlides/notesSlide8.xml><?xml version="1.0" encoding="utf-8"?>
+<p:notes xmlns:a="http://schemas.openxmlformats.org/drawingml/2006/main" xmlns:r="http://schemas.openxmlformats.org/officeDocument/2006/relationships" xmlns:p="http://schemas.openxmlformats.org/presentationml/2006/main">
+  <p:cSld>
+    <p:spTree>
+      <p:nvGrpSpPr>
+        <p:cNvPr id="1" name=""/>
+        <p:cNvGrpSpPr/>
+        <p:nvPr/>
+      </p:nvGrpSpPr>
+      <p:grpSpPr>
+        <a:xfrm>
+          <a:off x="0" y="0"/>
+          <a:ext cx="0" cy="0"/>
+          <a:chOff x="0" y="0"/>
+          <a:chExt cx="0" cy="0"/>
+        </a:xfrm>
+      </p:grpSpPr>
+      <p:sp>
+        <p:nvSpPr>
+          <p:cNvPr id="2" name="Slide Image Placeholder 1"/>
+          <p:cNvSpPr>
+            <a:spLocks noGrp="1" noRot="1" noChangeAspect="1"/>
+          </p:cNvSpPr>
+          <p:nvPr>
+            <p:ph type="sldImg"/>
+          </p:nvPr>
+        </p:nvSpPr>
+        <p:spPr/>
+      </p:sp>
+      <p:sp>
+        <p:nvSpPr>
+          <p:cNvPr id="3" name="Notes Placeholder 2"/>
+          <p:cNvSpPr>
+            <a:spLocks noGrp="1"/>
+          </p:cNvSpPr>
+          <p:nvPr>
+            <p:ph type="body" idx="1"/>
+          </p:nvPr>
+        </p:nvSpPr>
+        <p:spPr/>
+        <p:txBody>
+          <a:bodyPr/>
+          <a:lstStyle/>
+          <a:p>
+            <a:endParaRPr lang="en-US"/>
+          </a:p>
+        </p:txBody>
+      </p:sp>
+      <p:sp>
+        <p:nvSpPr>
+          <p:cNvPr id="4" name="Slide Number Placeholder 3"/>
+          <p:cNvSpPr>
+            <a:spLocks noGrp="1"/>
+          </p:cNvSpPr>
+          <p:nvPr>
+            <p:ph type="sldNum" sz="quarter" idx="10"/>
+          </p:nvPr>
+        </p:nvSpPr>
+        <p:spPr/>
+        <p:txBody>
+          <a:bodyPr/>
+          <a:lstStyle/>
+          <a:p>
+            <a:fld id="{8B263312-38AA-4E1E-B2B5-0F8F122B24FE}" type="slidenum">
+              <a:rPr lang="en-US" smtClean="0"/>
+              <a:pPr/>
+              <a:t>8</a:t>
+            </a:fld>
+            <a:endParaRPr lang="en-US" dirty="0"/>
+          </a:p>
+        </p:txBody>
+      </p:sp>
+    </p:spTree>
+    <p:extLst>
+      <p:ext uri="{BB962C8B-B14F-4D97-AF65-F5344CB8AC3E}">
+        <p14:creationId xmlns:p14="http://schemas.microsoft.com/office/powerpoint/2010/main" val="3384863997"/>
+      </p:ext>
+    </p:extLst>
+  </p:cSld>
+  <p:clrMapOvr>
+    <a:masterClrMapping/>
+  </p:clrMapOvr>
+</p:notes>
+</file>
+
+<file path=ppt/notesSlides/notesSlide9.xml><?xml version="1.0" encoding="utf-8"?>
+<p:notes xmlns:a="http://schemas.openxmlformats.org/drawingml/2006/main" xmlns:r="http://schemas.openxmlformats.org/officeDocument/2006/relationships" xmlns:p="http://schemas.openxmlformats.org/presentationml/2006/main">
+  <p:cSld>
+    <p:spTree>
+      <p:nvGrpSpPr>
+        <p:cNvPr id="1" name=""/>
+        <p:cNvGrpSpPr/>
+        <p:nvPr/>
+      </p:nvGrpSpPr>
+      <p:grpSpPr>
+        <a:xfrm>
+          <a:off x="0" y="0"/>
+          <a:ext cx="0" cy="0"/>
+          <a:chOff x="0" y="0"/>
+          <a:chExt cx="0" cy="0"/>
+        </a:xfrm>
+      </p:grpSpPr>
+      <p:sp>
+        <p:nvSpPr>
+          <p:cNvPr id="2" name="Slide Image Placeholder 1"/>
+          <p:cNvSpPr>
+            <a:spLocks noGrp="1" noRot="1" noChangeAspect="1"/>
+          </p:cNvSpPr>
+          <p:nvPr>
+            <p:ph type="sldImg"/>
+          </p:nvPr>
+        </p:nvSpPr>
+        <p:spPr/>
+      </p:sp>
+      <p:sp>
+        <p:nvSpPr>
+          <p:cNvPr id="3" name="Notes Placeholder 2"/>
+          <p:cNvSpPr>
+            <a:spLocks noGrp="1"/>
+          </p:cNvSpPr>
+          <p:nvPr>
+            <p:ph type="body" idx="1"/>
+          </p:nvPr>
+        </p:nvSpPr>
+        <p:spPr/>
+        <p:txBody>
+          <a:bodyPr/>
+          <a:lstStyle/>
+          <a:p>
+            <a:endParaRPr lang="en-US"/>
+          </a:p>
+        </p:txBody>
+      </p:sp>
+      <p:sp>
+        <p:nvSpPr>
+          <p:cNvPr id="4" name="Slide Number Placeholder 3"/>
+          <p:cNvSpPr>
+            <a:spLocks noGrp="1"/>
+          </p:cNvSpPr>
+          <p:nvPr>
+            <p:ph type="sldNum" sz="quarter" idx="10"/>
+          </p:nvPr>
+        </p:nvSpPr>
+        <p:spPr/>
+        <p:txBody>
+          <a:bodyPr/>
+          <a:lstStyle/>
+          <a:p>
+            <a:fld id="{8B263312-38AA-4E1E-B2B5-0F8F122B24FE}" type="slidenum">
+              <a:rPr lang="en-US" smtClean="0"/>
+              <a:pPr/>
+              <a:t>9</a:t>
+            </a:fld>
+            <a:endParaRPr lang="en-US" dirty="0"/>
+          </a:p>
+        </p:txBody>
+      </p:sp>
+    </p:spTree>
+    <p:extLst>
+      <p:ext uri="{BB962C8B-B14F-4D97-AF65-F5344CB8AC3E}">
+        <p14:creationId xmlns:p14="http://schemas.microsoft.com/office/powerpoint/2010/main" val="1705012350"/>
+      </p:ext>
+    </p:extLst>
+  </p:cSld>
+  <p:clrMapOvr>
+    <a:masterClrMapping/>
+  </p:clrMapOvr>
+</p:notes>
 </file>
 
 <file path=ppt/slideLayouts/slideLayout1.xml><?xml version="1.0" encoding="utf-8"?>
@@ -8936,7 +11231,7 @@
           <a:p>
             <a:r>
               <a:rPr lang="en-US" dirty="0" smtClean="0"/>
-              <a:t>Microsoft Corporation</a:t>
+              <a:t>Organization</a:t>
             </a:r>
             <a:endParaRPr lang="en-US" dirty="0"/>
           </a:p>
@@ -39563,74 +41858,6 @@
           <a:chExt cx="0" cy="0"/>
         </a:xfrm>
       </p:grpSpPr>
-      <p:sp>
-        <p:nvSpPr>
-          <p:cNvPr id="4" name="Text Placeholder 3"/>
-          <p:cNvSpPr>
-            <a:spLocks noGrp="1"/>
-          </p:cNvSpPr>
-          <p:nvPr>
-            <p:ph type="body" sz="quarter" idx="10"/>
-          </p:nvPr>
-        </p:nvSpPr>
-        <p:spPr>
-          <a:xfrm>
-            <a:off x="516572" y="2597348"/>
-            <a:ext cx="11155680" cy="1354217"/>
-          </a:xfrm>
-        </p:spPr>
-        <p:txBody>
-          <a:bodyPr/>
-          <a:lstStyle/>
-          <a:p>
-            <a:r>
-              <a:rPr lang="en-US" dirty="0" smtClean="0"/>
-              <a:t>Thank You</a:t>
-            </a:r>
-            <a:endParaRPr lang="en-US" dirty="0"/>
-          </a:p>
-        </p:txBody>
-      </p:sp>
-    </p:spTree>
-    <p:extLst>
-      <p:ext uri="{BB962C8B-B14F-4D97-AF65-F5344CB8AC3E}">
-        <p14:creationId xmlns:p14="http://schemas.microsoft.com/office/powerpoint/2010/main" val="1935709296"/>
-      </p:ext>
-    </p:extLst>
-  </p:cSld>
-  <p:clrMapOvr>
-    <a:masterClrMapping/>
-  </p:clrMapOvr>
-  <p:transition>
-    <p:fade/>
-  </p:transition>
-  <p:timing>
-    <p:tnLst>
-      <p:par>
-        <p:cTn id="1" dur="indefinite" restart="never" nodeType="tmRoot"/>
-      </p:par>
-    </p:tnLst>
-  </p:timing>
-</p:sld>
-</file>
-
-<file path=ppt/slides/slide28.xml><?xml version="1.0" encoding="utf-8"?>
-<p:sld xmlns:a="http://schemas.openxmlformats.org/drawingml/2006/main" xmlns:r="http://schemas.openxmlformats.org/officeDocument/2006/relationships" xmlns:p="http://schemas.openxmlformats.org/presentationml/2006/main">
-  <p:cSld>
-    <p:spTree>
-      <p:nvGrpSpPr>
-        <p:cNvPr id="1" name=""/>
-        <p:cNvGrpSpPr/>
-        <p:nvPr/>
-      </p:nvGrpSpPr>
-      <p:grpSpPr>
-        <a:xfrm>
-          <a:off x="0" y="0"/>
-          <a:ext cx="0" cy="0"/>
-          <a:chOff x="0" y="0"/>
-          <a:chExt cx="0" cy="0"/>
-        </a:xfrm>
-      </p:grpSpPr>
     </p:spTree>
     <p:extLst>
       <p:ext uri="{BB962C8B-B14F-4D97-AF65-F5344CB8AC3E}">
@@ -44866,14 +47093,7 @@
                 <a:latin typeface="Consolas" pitchFamily="49" charset="0"/>
                 <a:cs typeface="Consolas" pitchFamily="49" charset="0"/>
               </a:rPr>
-              <a:t>&lt;Runtime </a:t>
-            </a:r>
-            <a:r>
-              <a:rPr lang="en-US" sz="2000" dirty="0">
-                <a:latin typeface="Consolas" pitchFamily="49" charset="0"/>
-                <a:cs typeface="Consolas" pitchFamily="49" charset="0"/>
-              </a:rPr>
-              <a:t>executionContext="elevated" /&gt;</a:t>
+              <a:t>&lt;Runtime executionContext="elevated" /&gt;</a:t>
             </a:r>
           </a:p>
           <a:p>
